--- a/Powerpoints/Presentation-01-WIP.pptx
+++ b/Powerpoints/Presentation-01-WIP.pptx
@@ -5,16 +5,15 @@
     <p:sldMasterId id="2147483648" r:id="rId1"/>
   </p:sldMasterIdLst>
   <p:notesMasterIdLst>
-    <p:notesMasterId r:id="rId9"/>
+    <p:notesMasterId r:id="rId8"/>
   </p:notesMasterIdLst>
   <p:sldIdLst>
     <p:sldId id="256" r:id="rId2"/>
     <p:sldId id="260" r:id="rId3"/>
     <p:sldId id="261" r:id="rId4"/>
     <p:sldId id="258" r:id="rId5"/>
-    <p:sldId id="257" r:id="rId6"/>
-    <p:sldId id="259" r:id="rId7"/>
-    <p:sldId id="262" r:id="rId8"/>
+    <p:sldId id="262" r:id="rId6"/>
+    <p:sldId id="257" r:id="rId7"/>
   </p:sldIdLst>
   <p:sldSz cx="9144000" cy="6858000" type="screen4x3"/>
   <p:notesSz cx="6858000" cy="9144000"/>
@@ -198,7 +197,8 @@
           <a:p>
             <a:fld id="{EE36CFDE-F906-4973-967C-D71E2319273B}" type="datetimeFigureOut">
               <a:rPr lang="en-GB" smtClean="0"/>
-              <a:t>16/10/2016</a:t>
+              <a:pPr/>
+              <a:t>18/10/2016</a:t>
             </a:fld>
             <a:endParaRPr lang="en-GB"/>
           </a:p>
@@ -357,6 +357,7 @@
           <a:p>
             <a:fld id="{797A6523-81FB-4E21-9DF1-70974429DFF4}" type="slidenum">
               <a:rPr lang="en-GB" smtClean="0"/>
+              <a:pPr/>
               <a:t>‹#›</a:t>
             </a:fld>
             <a:endParaRPr lang="en-GB"/>
@@ -366,7 +367,7 @@
     </p:spTree>
     <p:extLst>
       <p:ext uri="{BB962C8B-B14F-4D97-AF65-F5344CB8AC3E}">
-        <p14:creationId xmlns:p14="http://schemas.microsoft.com/office/powerpoint/2010/main" val="876326493"/>
+        <p14:creationId xmlns:p14="http://schemas.microsoft.com/office/powerpoint/2010/main" xmlns="" val="876326493"/>
       </p:ext>
     </p:extLst>
   </p:cSld>
@@ -531,7 +532,8 @@
           <a:p>
             <a:fld id="{797A6523-81FB-4E21-9DF1-70974429DFF4}" type="slidenum">
               <a:rPr lang="en-GB" smtClean="0"/>
-              <a:t>5</a:t>
+              <a:pPr/>
+              <a:t>6</a:t>
             </a:fld>
             <a:endParaRPr lang="en-GB"/>
           </a:p>
@@ -540,7 +542,7 @@
     </p:spTree>
     <p:extLst>
       <p:ext uri="{BB962C8B-B14F-4D97-AF65-F5344CB8AC3E}">
-        <p14:creationId xmlns:p14="http://schemas.microsoft.com/office/powerpoint/2010/main" val="2628271706"/>
+        <p14:creationId xmlns:p14="http://schemas.microsoft.com/office/powerpoint/2010/main" xmlns="" val="2628271706"/>
       </p:ext>
     </p:extLst>
   </p:cSld>
@@ -732,7 +734,7 @@
             <a:fld id="{1D8BD707-D9CF-40AE-B4C6-C98DA3205C09}" type="datetimeFigureOut">
               <a:rPr lang="en-US" smtClean="0"/>
               <a:pPr/>
-              <a:t>10/16/2016</a:t>
+              <a:t>10/18/2016</a:t>
             </a:fld>
             <a:endParaRPr lang="en-US"/>
           </a:p>
@@ -899,7 +901,7 @@
             <a:fld id="{1D8BD707-D9CF-40AE-B4C6-C98DA3205C09}" type="datetimeFigureOut">
               <a:rPr lang="en-US" smtClean="0"/>
               <a:pPr/>
-              <a:t>10/16/2016</a:t>
+              <a:t>10/18/2016</a:t>
             </a:fld>
             <a:endParaRPr lang="en-US"/>
           </a:p>
@@ -1076,7 +1078,7 @@
             <a:fld id="{1D8BD707-D9CF-40AE-B4C6-C98DA3205C09}" type="datetimeFigureOut">
               <a:rPr lang="en-US" smtClean="0"/>
               <a:pPr/>
-              <a:t>10/16/2016</a:t>
+              <a:t>10/18/2016</a:t>
             </a:fld>
             <a:endParaRPr lang="en-US"/>
           </a:p>
@@ -1243,7 +1245,7 @@
             <a:fld id="{1D8BD707-D9CF-40AE-B4C6-C98DA3205C09}" type="datetimeFigureOut">
               <a:rPr lang="en-US" smtClean="0"/>
               <a:pPr/>
-              <a:t>10/16/2016</a:t>
+              <a:t>10/18/2016</a:t>
             </a:fld>
             <a:endParaRPr lang="en-US"/>
           </a:p>
@@ -1486,7 +1488,7 @@
             <a:fld id="{1D8BD707-D9CF-40AE-B4C6-C98DA3205C09}" type="datetimeFigureOut">
               <a:rPr lang="en-US" smtClean="0"/>
               <a:pPr/>
-              <a:t>10/16/2016</a:t>
+              <a:t>10/18/2016</a:t>
             </a:fld>
             <a:endParaRPr lang="en-US"/>
           </a:p>
@@ -1771,7 +1773,7 @@
             <a:fld id="{1D8BD707-D9CF-40AE-B4C6-C98DA3205C09}" type="datetimeFigureOut">
               <a:rPr lang="en-US" smtClean="0"/>
               <a:pPr/>
-              <a:t>10/16/2016</a:t>
+              <a:t>10/18/2016</a:t>
             </a:fld>
             <a:endParaRPr lang="en-US"/>
           </a:p>
@@ -2190,7 +2192,7 @@
             <a:fld id="{1D8BD707-D9CF-40AE-B4C6-C98DA3205C09}" type="datetimeFigureOut">
               <a:rPr lang="en-US" smtClean="0"/>
               <a:pPr/>
-              <a:t>10/16/2016</a:t>
+              <a:t>10/18/2016</a:t>
             </a:fld>
             <a:endParaRPr lang="en-US"/>
           </a:p>
@@ -2305,7 +2307,7 @@
             <a:fld id="{1D8BD707-D9CF-40AE-B4C6-C98DA3205C09}" type="datetimeFigureOut">
               <a:rPr lang="en-US" smtClean="0"/>
               <a:pPr/>
-              <a:t>10/16/2016</a:t>
+              <a:t>10/18/2016</a:t>
             </a:fld>
             <a:endParaRPr lang="en-US"/>
           </a:p>
@@ -2397,7 +2399,7 @@
             <a:fld id="{1D8BD707-D9CF-40AE-B4C6-C98DA3205C09}" type="datetimeFigureOut">
               <a:rPr lang="en-US" smtClean="0"/>
               <a:pPr/>
-              <a:t>10/16/2016</a:t>
+              <a:t>10/18/2016</a:t>
             </a:fld>
             <a:endParaRPr lang="en-US"/>
           </a:p>
@@ -2671,7 +2673,7 @@
             <a:fld id="{1D8BD707-D9CF-40AE-B4C6-C98DA3205C09}" type="datetimeFigureOut">
               <a:rPr lang="en-US" smtClean="0"/>
               <a:pPr/>
-              <a:t>10/16/2016</a:t>
+              <a:t>10/18/2016</a:t>
             </a:fld>
             <a:endParaRPr lang="en-US"/>
           </a:p>
@@ -2921,7 +2923,7 @@
             <a:fld id="{1D8BD707-D9CF-40AE-B4C6-C98DA3205C09}" type="datetimeFigureOut">
               <a:rPr lang="en-US" smtClean="0"/>
               <a:pPr/>
-              <a:t>10/16/2016</a:t>
+              <a:t>10/18/2016</a:t>
             </a:fld>
             <a:endParaRPr lang="en-US"/>
           </a:p>
@@ -3131,7 +3133,7 @@
             <a:fld id="{1D8BD707-D9CF-40AE-B4C6-C98DA3205C09}" type="datetimeFigureOut">
               <a:rPr lang="en-US" smtClean="0"/>
               <a:pPr/>
-              <a:t>10/16/2016</a:t>
+              <a:t>10/18/2016</a:t>
             </a:fld>
             <a:endParaRPr lang="en-US"/>
           </a:p>
@@ -3600,60 +3602,44 @@
         <p:spPr/>
         <p:txBody>
           <a:bodyPr>
-            <a:normAutofit fontScale="90000"/>
+            <a:normAutofit/>
           </a:bodyPr>
           <a:lstStyle/>
           <a:p>
             <a:r>
               <a:rPr lang="en-GB" dirty="0" smtClean="0"/>
-              <a:t>Vellichor -</a:t>
-            </a:r>
-            <a:br>
-              <a:rPr lang="en-GB" dirty="0" smtClean="0"/>
-            </a:br>
-            <a:r>
-              <a:rPr lang="en-GB" dirty="0" smtClean="0"/>
-              <a:t>The Strange Wistfulness of used Book Shops</a:t>
+              <a:t>Vellichor</a:t>
             </a:r>
             <a:endParaRPr lang="en-GB" dirty="0"/>
           </a:p>
         </p:txBody>
       </p:sp>
-      <p:sp>
-        <p:nvSpPr>
-          <p:cNvPr id="3" name="Content Placeholder 2"/>
-          <p:cNvSpPr>
-            <a:spLocks noGrp="1"/>
-          </p:cNvSpPr>
-          <p:nvPr>
-            <p:ph idx="1"/>
-          </p:nvPr>
-        </p:nvSpPr>
-        <p:spPr/>
-        <p:txBody>
-          <a:bodyPr/>
-          <a:lstStyle/>
-          <a:p>
-            <a:r>
-              <a:rPr lang="en-GB" dirty="0" smtClean="0"/>
-              <a:t>The whole game is set within a used book store, the strange wistfulness of the game is derived from the atmosphere.</a:t>
-            </a:r>
-          </a:p>
-          <a:p>
-            <a:r>
-              <a:rPr lang="en-GB" dirty="0" smtClean="0"/>
-              <a:t>These sounds- (Elliots Sounds)</a:t>
-            </a:r>
-          </a:p>
-          <a:p>
-            <a:r>
-              <a:rPr lang="en-GB" dirty="0" smtClean="0"/>
-              <a:t>These Visuals- Various Moodboards</a:t>
-            </a:r>
-            <a:endParaRPr lang="en-GB" dirty="0"/>
-          </a:p>
-        </p:txBody>
-      </p:sp>
+      <p:pic>
+        <p:nvPicPr>
+          <p:cNvPr id="7169" name="Picture 1" descr="E:\Second Year Assignments\Group Project\Mood Board-Desolation\Mood Board-Atmosphere.png"/>
+          <p:cNvPicPr>
+            <a:picLocks noChangeAspect="1" noChangeArrowheads="1"/>
+          </p:cNvPicPr>
+          <p:nvPr/>
+        </p:nvPicPr>
+        <p:blipFill>
+          <a:blip r:embed="rId2" cstate="print"/>
+          <a:srcRect/>
+          <a:stretch>
+            <a:fillRect/>
+          </a:stretch>
+        </p:blipFill>
+        <p:spPr bwMode="auto">
+          <a:xfrm>
+            <a:off x="762000" y="1524000"/>
+            <a:ext cx="4114800" cy="4114801"/>
+          </a:xfrm>
+          <a:prstGeom prst="rect">
+            <a:avLst/>
+          </a:prstGeom>
+          <a:noFill/>
+        </p:spPr>
+      </p:pic>
     </p:spTree>
   </p:cSld>
   <p:clrMapOvr>
@@ -3696,64 +3682,23 @@
             <p:ph type="title"/>
           </p:nvPr>
         </p:nvSpPr>
-        <p:spPr/>
+        <p:spPr>
+          <a:xfrm>
+            <a:off x="609600" y="228600"/>
+            <a:ext cx="8229600" cy="1143000"/>
+          </a:xfrm>
+        </p:spPr>
         <p:txBody>
           <a:bodyPr>
-            <a:normAutofit fontScale="90000"/>
+            <a:normAutofit/>
           </a:bodyPr>
           <a:lstStyle/>
           <a:p>
             <a:r>
               <a:rPr lang="en-GB" dirty="0" smtClean="0"/>
-              <a:t>Adronitis -</a:t>
-            </a:r>
-            <a:br>
-              <a:rPr lang="en-GB" dirty="0" smtClean="0"/>
-            </a:br>
-            <a:r>
-              <a:rPr lang="en-GB" dirty="0" smtClean="0"/>
-              <a:t>Frustration with how long it takes to get to know someone</a:t>
+              <a:t>Adronitis</a:t>
             </a:r>
             <a:endParaRPr lang="en-GB" dirty="0"/>
-          </a:p>
-        </p:txBody>
-      </p:sp>
-      <p:sp>
-        <p:nvSpPr>
-          <p:cNvPr id="3" name="Content Placeholder 2"/>
-          <p:cNvSpPr>
-            <a:spLocks noGrp="1"/>
-          </p:cNvSpPr>
-          <p:nvPr>
-            <p:ph idx="1"/>
-          </p:nvPr>
-        </p:nvSpPr>
-        <p:spPr/>
-        <p:txBody>
-          <a:bodyPr/>
-          <a:lstStyle/>
-          <a:p>
-            <a:r>
-              <a:rPr lang="en-GB" dirty="0" smtClean="0"/>
-              <a:t>The aim of the game is to give people books they enjoy reading</a:t>
-            </a:r>
-          </a:p>
-          <a:p>
-            <a:r>
-              <a:rPr lang="en-GB" dirty="0" smtClean="0"/>
-              <a:t>For the player to know what sort of books to sell they must get to know the characters</a:t>
-            </a:r>
-          </a:p>
-          <a:p>
-            <a:r>
-              <a:rPr lang="en-GB" dirty="0" smtClean="0"/>
-              <a:t>This in itself will take a little while and the player will become frustrated when they cant get the right match of character </a:t>
-            </a:r>
-            <a:r>
-              <a:rPr lang="en-GB" smtClean="0"/>
-              <a:t>and book</a:t>
-            </a:r>
-            <a:endParaRPr lang="en-GB" dirty="0" smtClean="0"/>
           </a:p>
         </p:txBody>
       </p:sp>
@@ -3879,116 +3824,39 @@
           <a:lstStyle/>
           <a:p>
             <a:r>
-              <a:rPr lang="en-GB" b="1" dirty="0" smtClean="0">
-                <a:effectLst>
-                  <a:outerShdw blurRad="38100" dist="38100" dir="2700000" algn="tl">
-                    <a:srgbClr val="000000">
-                      <a:alpha val="43137"/>
-                    </a:srgbClr>
-                  </a:outerShdw>
-                </a:effectLst>
-              </a:rPr>
+              <a:rPr lang="en-GB" dirty="0" smtClean="0"/>
               <a:t>What does the player do?</a:t>
             </a:r>
-            <a:endParaRPr lang="en-GB" b="1" dirty="0">
-              <a:effectLst>
-                <a:outerShdw blurRad="38100" dist="38100" dir="2700000" algn="tl">
-                  <a:srgbClr val="000000">
-                    <a:alpha val="43137"/>
-                  </a:srgbClr>
-                </a:outerShdw>
-              </a:effectLst>
-            </a:endParaRPr>
-          </a:p>
-        </p:txBody>
-      </p:sp>
-      <p:sp>
-        <p:nvSpPr>
-          <p:cNvPr id="3" name="Content Placeholder 2"/>
-          <p:cNvSpPr>
-            <a:spLocks noGrp="1"/>
-          </p:cNvSpPr>
-          <p:nvPr>
-            <p:ph idx="1"/>
-          </p:nvPr>
-        </p:nvSpPr>
-        <p:spPr/>
-        <p:txBody>
-          <a:bodyPr/>
-          <a:lstStyle/>
-          <a:p>
-            <a:r>
-              <a:rPr lang="en-GB" dirty="0" smtClean="0"/>
-              <a:t>The player must decide what books to sell to their customers</a:t>
-            </a:r>
-          </a:p>
-          <a:p>
-            <a:r>
-              <a:rPr lang="en-GB" dirty="0" smtClean="0"/>
-              <a:t>They base these decisions on what they learn about the characters throughout the game</a:t>
-            </a:r>
-          </a:p>
-          <a:p>
-            <a:r>
-              <a:rPr lang="en-GB" dirty="0" smtClean="0"/>
-              <a:t>When they sell books people want they reward the player with ........</a:t>
-            </a:r>
             <a:endParaRPr lang="en-GB" dirty="0"/>
           </a:p>
         </p:txBody>
       </p:sp>
-      <p:sp>
-        <p:nvSpPr>
-          <p:cNvPr id="4" name="TextBox 3"/>
-          <p:cNvSpPr txBox="1"/>
+      <p:pic>
+        <p:nvPicPr>
+          <p:cNvPr id="1026" name="Picture 2" descr="https://raw.githubusercontent.com/UoSGamesGroups/first-semester-lvl4-5-group-7/master/Research/Mock-UpMerged.png"/>
+          <p:cNvPicPr>
+            <a:picLocks noChangeAspect="1" noChangeArrowheads="1"/>
+          </p:cNvPicPr>
           <p:nvPr/>
-        </p:nvSpPr>
-        <p:spPr>
+        </p:nvPicPr>
+        <p:blipFill>
+          <a:blip r:embed="rId2" cstate="print"/>
+          <a:srcRect/>
+          <a:stretch>
+            <a:fillRect/>
+          </a:stretch>
+        </p:blipFill>
+        <p:spPr bwMode="auto">
           <a:xfrm>
-            <a:off x="2313774" y="5225534"/>
-            <a:ext cx="5638800" cy="369332"/>
+            <a:off x="1371600" y="1752600"/>
+            <a:ext cx="6671733" cy="3752850"/>
           </a:xfrm>
           <a:prstGeom prst="rect">
             <a:avLst/>
           </a:prstGeom>
           <a:noFill/>
         </p:spPr>
-        <p:txBody>
-          <a:bodyPr wrap="square" rtlCol="0">
-            <a:spAutoFit/>
-          </a:bodyPr>
-          <a:lstStyle/>
-          <a:p>
-            <a:r>
-              <a:rPr lang="en-GB" b="1" u="sng" dirty="0" smtClean="0">
-                <a:solidFill>
-                  <a:srgbClr val="FF0000"/>
-                </a:solidFill>
-                <a:effectLst>
-                  <a:outerShdw blurRad="38100" dist="38100" dir="2700000" algn="tl">
-                    <a:srgbClr val="000000">
-                      <a:alpha val="43137"/>
-                    </a:srgbClr>
-                  </a:outerShdw>
-                </a:effectLst>
-              </a:rPr>
-              <a:t>More detail on what the player is physically doing</a:t>
-            </a:r>
-            <a:endParaRPr lang="en-GB" b="1" u="sng" dirty="0">
-              <a:solidFill>
-                <a:srgbClr val="FF0000"/>
-              </a:solidFill>
-              <a:effectLst>
-                <a:outerShdw blurRad="38100" dist="38100" dir="2700000" algn="tl">
-                  <a:srgbClr val="000000">
-                    <a:alpha val="43137"/>
-                  </a:srgbClr>
-                </a:outerShdw>
-              </a:effectLst>
-            </a:endParaRPr>
-          </a:p>
-        </p:txBody>
-      </p:sp>
+      </p:pic>
     </p:spTree>
   </p:cSld>
   <p:clrMapOvr>
@@ -4037,100 +3905,71 @@
           <a:lstStyle/>
           <a:p>
             <a:r>
+              <a:rPr lang="en-GB" b="1" dirty="0" smtClean="0">
+                <a:effectLst>
+                  <a:outerShdw blurRad="38100" dist="38100" dir="2700000" algn="tl">
+                    <a:srgbClr val="000000">
+                      <a:alpha val="43137"/>
+                    </a:srgbClr>
+                  </a:outerShdw>
+                </a:effectLst>
+              </a:rPr>
+              <a:t>How does the game work</a:t>
+            </a:r>
+            <a:r>
+              <a:rPr lang="en-GB" b="1" dirty="0" smtClean="0">
+                <a:effectLst>
+                  <a:outerShdw blurRad="38100" dist="38100" dir="2700000" algn="tl">
+                    <a:srgbClr val="000000">
+                      <a:alpha val="43137"/>
+                    </a:srgbClr>
+                  </a:outerShdw>
+                </a:effectLst>
+              </a:rPr>
+              <a:t>?</a:t>
+            </a:r>
+            <a:endParaRPr lang="en-GB" b="1" dirty="0">
+              <a:effectLst>
+                <a:outerShdw blurRad="38100" dist="38100" dir="2700000" algn="tl">
+                  <a:srgbClr val="000000">
+                    <a:alpha val="43137"/>
+                  </a:srgbClr>
+                </a:outerShdw>
+              </a:effectLst>
+            </a:endParaRPr>
+          </a:p>
+        </p:txBody>
+      </p:sp>
+      <p:sp>
+        <p:nvSpPr>
+          <p:cNvPr id="3" name="Content Placeholder 2"/>
+          <p:cNvSpPr>
+            <a:spLocks noGrp="1"/>
+          </p:cNvSpPr>
+          <p:nvPr>
+            <p:ph idx="1"/>
+          </p:nvPr>
+        </p:nvSpPr>
+        <p:spPr/>
+        <p:txBody>
+          <a:bodyPr/>
+          <a:lstStyle/>
+          <a:p>
+            <a:r>
               <a:rPr lang="en-GB" dirty="0" smtClean="0"/>
-              <a:t>Synopsis</a:t>
-            </a:r>
-            <a:endParaRPr lang="en-GB" dirty="0"/>
-          </a:p>
-        </p:txBody>
-      </p:sp>
-      <p:sp>
-        <p:nvSpPr>
-          <p:cNvPr id="3" name="Content Placeholder 2"/>
-          <p:cNvSpPr>
-            <a:spLocks noGrp="1"/>
-          </p:cNvSpPr>
-          <p:nvPr>
-            <p:ph idx="1"/>
-          </p:nvPr>
-        </p:nvSpPr>
-        <p:spPr/>
-        <p:txBody>
-          <a:bodyPr/>
-          <a:lstStyle/>
+              <a:t>The player must decide what books to sell to their customers</a:t>
+            </a:r>
+          </a:p>
           <a:p>
             <a:r>
               <a:rPr lang="en-GB" dirty="0" smtClean="0"/>
-              <a:t>The player character is a young woman who has recently inherited a book shop </a:t>
-            </a:r>
+              <a:t>They base these decisions on what they learn about the characters throughout the game</a:t>
+            </a:r>
+          </a:p>
+          <a:p>
             <a:r>
               <a:rPr lang="en-GB" dirty="0" smtClean="0"/>
-              <a:t>from </a:t>
-            </a:r>
-            <a:r>
-              <a:rPr lang="en-GB" dirty="0" smtClean="0"/>
-              <a:t>their now deceased grand parents.</a:t>
-            </a:r>
-          </a:p>
-          <a:p>
-            <a:r>
-              <a:rPr lang="en-GB" dirty="0" smtClean="0"/>
-              <a:t>The outside world is bleak and the player character is trying to give books to people to brighten their miserable lives.</a:t>
-            </a:r>
-            <a:endParaRPr lang="en-GB" dirty="0"/>
-          </a:p>
-        </p:txBody>
-      </p:sp>
-    </p:spTree>
-  </p:cSld>
-  <p:clrMapOvr>
-    <a:masterClrMapping/>
-  </p:clrMapOvr>
-  <p:timing>
-    <p:tnLst>
-      <p:par>
-        <p:cTn id="1" dur="indefinite" restart="never" nodeType="tmRoot"/>
-      </p:par>
-    </p:tnLst>
-  </p:timing>
-</p:sld>
-</file>
-
-<file path=ppt/slides/slide7.xml><?xml version="1.0" encoding="utf-8"?>
-<p:sld xmlns:a="http://schemas.openxmlformats.org/drawingml/2006/main" xmlns:r="http://schemas.openxmlformats.org/officeDocument/2006/relationships" xmlns:p="http://schemas.openxmlformats.org/presentationml/2006/main">
-  <p:cSld>
-    <p:spTree>
-      <p:nvGrpSpPr>
-        <p:cNvPr id="1" name=""/>
-        <p:cNvGrpSpPr/>
-        <p:nvPr/>
-      </p:nvGrpSpPr>
-      <p:grpSpPr>
-        <a:xfrm>
-          <a:off x="0" y="0"/>
-          <a:ext cx="0" cy="0"/>
-          <a:chOff x="0" y="0"/>
-          <a:chExt cx="0" cy="0"/>
-        </a:xfrm>
-      </p:grpSpPr>
-      <p:sp>
-        <p:nvSpPr>
-          <p:cNvPr id="2" name="Title 1"/>
-          <p:cNvSpPr>
-            <a:spLocks noGrp="1"/>
-          </p:cNvSpPr>
-          <p:nvPr>
-            <p:ph type="title"/>
-          </p:nvPr>
-        </p:nvSpPr>
-        <p:spPr/>
-        <p:txBody>
-          <a:bodyPr/>
-          <a:lstStyle/>
-          <a:p>
-            <a:r>
-              <a:rPr lang="en-GB" dirty="0" smtClean="0"/>
-              <a:t>Mock Up</a:t>
+              <a:t>When they sell books people want they reward the player with ........</a:t>
             </a:r>
             <a:endParaRPr lang="en-GB" dirty="0"/>
           </a:p>
